--- a/Bike Analytics.pptx
+++ b/Bike Analytics.pptx
@@ -5,7 +5,7 @@
     <p:sldMasterId id="2147483669" r:id="rId1"/>
   </p:sldMasterIdLst>
   <p:notesMasterIdLst>
-    <p:notesMasterId r:id="rId29"/>
+    <p:notesMasterId r:id="rId30"/>
   </p:notesMasterIdLst>
   <p:sldIdLst>
     <p:sldId id="256" r:id="rId2"/>
@@ -31,39 +31,40 @@
     <p:sldId id="321" r:id="rId22"/>
     <p:sldId id="311" r:id="rId23"/>
     <p:sldId id="322" r:id="rId24"/>
-    <p:sldId id="312" r:id="rId25"/>
-    <p:sldId id="324" r:id="rId26"/>
-    <p:sldId id="325" r:id="rId27"/>
-    <p:sldId id="326" r:id="rId28"/>
+    <p:sldId id="327" r:id="rId25"/>
+    <p:sldId id="312" r:id="rId26"/>
+    <p:sldId id="324" r:id="rId27"/>
+    <p:sldId id="325" r:id="rId28"/>
+    <p:sldId id="326" r:id="rId29"/>
   </p:sldIdLst>
   <p:sldSz cx="9144000" cy="5143500" type="screen16x9"/>
   <p:notesSz cx="6858000" cy="9144000"/>
   <p:embeddedFontLst>
     <p:embeddedFont>
       <p:font typeface="Anaheim" panose="020B0604020202020204" charset="0"/>
-      <p:regular r:id="rId30"/>
-      <p:bold r:id="rId31"/>
+      <p:regular r:id="rId31"/>
+      <p:bold r:id="rId32"/>
     </p:embeddedFont>
     <p:embeddedFont>
       <p:font typeface="Bebas Neue" panose="020B0606020202050201" pitchFamily="34" charset="0"/>
-      <p:regular r:id="rId32"/>
+      <p:regular r:id="rId33"/>
     </p:embeddedFont>
     <p:embeddedFont>
       <p:font typeface="Nunito Light" pitchFamily="2" charset="0"/>
-      <p:regular r:id="rId33"/>
-      <p:italic r:id="rId34"/>
+      <p:regular r:id="rId34"/>
+      <p:italic r:id="rId35"/>
     </p:embeddedFont>
     <p:embeddedFont>
       <p:font typeface="Open Sans" panose="020B0606030504020204" pitchFamily="34" charset="0"/>
-      <p:regular r:id="rId35"/>
-      <p:bold r:id="rId36"/>
-      <p:italic r:id="rId37"/>
-      <p:boldItalic r:id="rId38"/>
+      <p:regular r:id="rId36"/>
+      <p:bold r:id="rId37"/>
+      <p:italic r:id="rId38"/>
+      <p:boldItalic r:id="rId39"/>
     </p:embeddedFont>
     <p:embeddedFont>
       <p:font typeface="Pridi" panose="00000500000000000000" pitchFamily="2" charset="-34"/>
-      <p:regular r:id="rId39"/>
-      <p:bold r:id="rId40"/>
+      <p:regular r:id="rId40"/>
+      <p:bold r:id="rId41"/>
     </p:embeddedFont>
   </p:embeddedFontLst>
   <p:defaultTextStyle>
@@ -295,6 +296,11 @@
       </a:defRPr>
     </a:lvl9pPr>
   </p:defaultTextStyle>
+  <p:extLst>
+    <p:ext uri="{EFAFB233-063F-42B5-8137-9DF3F51BA10A}">
+      <p15:sldGuideLst xmlns:p15="http://schemas.microsoft.com/office/powerpoint/2012/main"/>
+    </p:ext>
+  </p:extLst>
 </p:presentation>
 </file>
 
@@ -2730,6 +2736,133 @@
   <p:cSld>
     <p:spTree>
       <p:nvGrpSpPr>
+        <p:cNvPr id="1" name="Shape 289">
+          <a:extLst>
+            <a:ext uri="{FF2B5EF4-FFF2-40B4-BE49-F238E27FC236}">
+              <a16:creationId xmlns:a16="http://schemas.microsoft.com/office/drawing/2014/main" id="{2371EEB9-865D-F859-91A1-EADFCB290D40}"/>
+            </a:ext>
+          </a:extLst>
+        </p:cNvPr>
+        <p:cNvGrpSpPr/>
+        <p:nvPr/>
+      </p:nvGrpSpPr>
+      <p:grpSpPr>
+        <a:xfrm>
+          <a:off x="0" y="0"/>
+          <a:ext cx="0" cy="0"/>
+          <a:chOff x="0" y="0"/>
+          <a:chExt cx="0" cy="0"/>
+        </a:xfrm>
+      </p:grpSpPr>
+      <p:sp>
+        <p:nvSpPr>
+          <p:cNvPr id="290" name="Google Shape;290;g54dda1946d_6_332:notes">
+            <a:extLst>
+              <a:ext uri="{FF2B5EF4-FFF2-40B4-BE49-F238E27FC236}">
+                <a16:creationId xmlns:a16="http://schemas.microsoft.com/office/drawing/2014/main" id="{FAED26EB-05C7-A8E3-2976-ABB7B0AD6103}"/>
+              </a:ext>
+            </a:extLst>
+          </p:cNvPr>
+          <p:cNvSpPr>
+            <a:spLocks noGrp="1" noRot="1" noChangeAspect="1"/>
+          </p:cNvSpPr>
+          <p:nvPr>
+            <p:ph type="sldImg" idx="2"/>
+          </p:nvPr>
+        </p:nvSpPr>
+        <p:spPr>
+          <a:xfrm>
+            <a:off x="381000" y="685800"/>
+            <a:ext cx="6096000" cy="3429000"/>
+          </a:xfrm>
+          <a:custGeom>
+            <a:avLst/>
+            <a:gdLst/>
+            <a:ahLst/>
+            <a:cxnLst/>
+            <a:rect l="l" t="t" r="r" b="b"/>
+            <a:pathLst>
+              <a:path w="120000" h="120000" extrusionOk="0">
+                <a:moveTo>
+                  <a:pt x="0" y="0"/>
+                </a:moveTo>
+                <a:lnTo>
+                  <a:pt x="120000" y="0"/>
+                </a:lnTo>
+                <a:lnTo>
+                  <a:pt x="120000" y="120000"/>
+                </a:lnTo>
+                <a:lnTo>
+                  <a:pt x="0" y="120000"/>
+                </a:lnTo>
+                <a:close/>
+              </a:path>
+            </a:pathLst>
+          </a:custGeom>
+        </p:spPr>
+      </p:sp>
+      <p:sp>
+        <p:nvSpPr>
+          <p:cNvPr id="291" name="Google Shape;291;g54dda1946d_6_332:notes">
+            <a:extLst>
+              <a:ext uri="{FF2B5EF4-FFF2-40B4-BE49-F238E27FC236}">
+                <a16:creationId xmlns:a16="http://schemas.microsoft.com/office/drawing/2014/main" id="{8D7A8DDB-3595-CC24-CDBA-EDC02B2B26D0}"/>
+              </a:ext>
+            </a:extLst>
+          </p:cNvPr>
+          <p:cNvSpPr txBox="1">
+            <a:spLocks noGrp="1"/>
+          </p:cNvSpPr>
+          <p:nvPr>
+            <p:ph type="body" idx="1"/>
+          </p:nvPr>
+        </p:nvSpPr>
+        <p:spPr>
+          <a:xfrm>
+            <a:off x="685800" y="4343400"/>
+            <a:ext cx="5486400" cy="4114800"/>
+          </a:xfrm>
+          <a:prstGeom prst="rect">
+            <a:avLst/>
+          </a:prstGeom>
+        </p:spPr>
+        <p:txBody>
+          <a:bodyPr spcFirstLastPara="1" wrap="square" lIns="91425" tIns="91425" rIns="91425" bIns="91425" anchor="t" anchorCtr="0">
+            <a:noAutofit/>
+          </a:bodyPr>
+          <a:lstStyle/>
+          <a:p>
+            <a:pPr marL="0" lvl="0" indent="0" algn="l" rtl="0">
+              <a:spcBef>
+                <a:spcPts val="0"/>
+              </a:spcBef>
+              <a:spcAft>
+                <a:spcPts val="0"/>
+              </a:spcAft>
+              <a:buNone/>
+            </a:pPr>
+            <a:endParaRPr/>
+          </a:p>
+        </p:txBody>
+      </p:sp>
+    </p:spTree>
+    <p:extLst>
+      <p:ext uri="{BB962C8B-B14F-4D97-AF65-F5344CB8AC3E}">
+        <p14:creationId xmlns:p14="http://schemas.microsoft.com/office/powerpoint/2010/main" val="2470349223"/>
+      </p:ext>
+    </p:extLst>
+  </p:cSld>
+  <p:clrMapOvr>
+    <a:masterClrMapping/>
+  </p:clrMapOvr>
+</p:notes>
+</file>
+
+<file path=ppt/notesSlides/notesSlide25.xml><?xml version="1.0" encoding="utf-8"?>
+<p:notes xmlns:a="http://schemas.openxmlformats.org/drawingml/2006/main" xmlns:r="http://schemas.openxmlformats.org/officeDocument/2006/relationships" xmlns:p="http://schemas.openxmlformats.org/presentationml/2006/main" showMasterSp="0" showMasterPhAnim="0">
+  <p:cSld>
+    <p:spTree>
+      <p:nvGrpSpPr>
         <p:cNvPr id="1" name="Shape 271">
           <a:extLst>
             <a:ext uri="{FF2B5EF4-FFF2-40B4-BE49-F238E27FC236}">
@@ -2852,7 +2985,7 @@
 </p:notes>
 </file>
 
-<file path=ppt/notesSlides/notesSlide25.xml><?xml version="1.0" encoding="utf-8"?>
+<file path=ppt/notesSlides/notesSlide26.xml><?xml version="1.0" encoding="utf-8"?>
 <p:notes xmlns:a="http://schemas.openxmlformats.org/drawingml/2006/main" xmlns:r="http://schemas.openxmlformats.org/officeDocument/2006/relationships" xmlns:p="http://schemas.openxmlformats.org/presentationml/2006/main" showMasterSp="0" showMasterPhAnim="0">
   <p:cSld>
     <p:spTree>
@@ -2979,7 +3112,7 @@
 </p:notes>
 </file>
 
-<file path=ppt/notesSlides/notesSlide26.xml><?xml version="1.0" encoding="utf-8"?>
+<file path=ppt/notesSlides/notesSlide27.xml><?xml version="1.0" encoding="utf-8"?>
 <p:notes xmlns:a="http://schemas.openxmlformats.org/drawingml/2006/main" xmlns:r="http://schemas.openxmlformats.org/officeDocument/2006/relationships" xmlns:p="http://schemas.openxmlformats.org/presentationml/2006/main" showMasterSp="0" showMasterPhAnim="0">
   <p:cSld>
     <p:spTree>
@@ -3106,7 +3239,7 @@
 </p:notes>
 </file>
 
-<file path=ppt/notesSlides/notesSlide27.xml><?xml version="1.0" encoding="utf-8"?>
+<file path=ppt/notesSlides/notesSlide28.xml><?xml version="1.0" encoding="utf-8"?>
 <p:notes xmlns:a="http://schemas.openxmlformats.org/drawingml/2006/main" xmlns:r="http://schemas.openxmlformats.org/officeDocument/2006/relationships" xmlns:p="http://schemas.openxmlformats.org/presentationml/2006/main" showMasterSp="0" showMasterPhAnim="0">
   <p:cSld>
     <p:spTree>
@@ -20609,31 +20742,6 @@
           </a:p>
         </p:txBody>
       </p:sp>
-      <p:sp>
-        <p:nvSpPr>
-          <p:cNvPr id="7" name="Subtitle 6">
-            <a:extLst>
-              <a:ext uri="{FF2B5EF4-FFF2-40B4-BE49-F238E27FC236}">
-                <a16:creationId xmlns:a16="http://schemas.microsoft.com/office/drawing/2014/main" id="{1A0460C5-A6F9-F923-5950-21169F83FB38}"/>
-              </a:ext>
-            </a:extLst>
-          </p:cNvPr>
-          <p:cNvSpPr>
-            <a:spLocks noGrp="1"/>
-          </p:cNvSpPr>
-          <p:nvPr>
-            <p:ph type="subTitle" idx="2"/>
-          </p:nvPr>
-        </p:nvSpPr>
-        <p:spPr/>
-        <p:txBody>
-          <a:bodyPr/>
-          <a:lstStyle/>
-          <a:p>
-            <a:endParaRPr lang="en-US"/>
-          </a:p>
-        </p:txBody>
-      </p:sp>
     </p:spTree>
     <p:extLst>
       <p:ext uri="{BB962C8B-B14F-4D97-AF65-F5344CB8AC3E}">
@@ -26789,7 +26897,7 @@
             </a:pPr>
             <a:r>
               <a:rPr lang="es-AR" sz="3600" dirty="0" err="1"/>
-              <a:t>Ride</a:t>
+              <a:t>Mechanical</a:t>
             </a:r>
             <a:r>
               <a:rPr lang="es-AR" sz="3600" dirty="0"/>
@@ -26797,7 +26905,7 @@
             </a:r>
             <a:r>
               <a:rPr lang="es-AR" sz="3600" dirty="0" err="1"/>
-              <a:t>Duration</a:t>
+              <a:t>Service</a:t>
             </a:r>
             <a:endParaRPr lang="en-US" dirty="0"/>
           </a:p>
@@ -26966,7 +27074,7 @@
             </a:pPr>
             <a:r>
               <a:rPr lang="es-AR" sz="3600" dirty="0" err="1"/>
-              <a:t>Ride</a:t>
+              <a:t>Mechanical</a:t>
             </a:r>
             <a:r>
               <a:rPr lang="es-AR" sz="3600" dirty="0"/>
@@ -26974,7 +27082,7 @@
             </a:r>
             <a:r>
               <a:rPr lang="es-AR" sz="3600" dirty="0" err="1"/>
-              <a:t>Duration</a:t>
+              <a:t>Service</a:t>
             </a:r>
             <a:r>
               <a:rPr lang="es-AR" sz="3600" dirty="0"/>
@@ -33225,8 +33333,12 @@
               <a:buNone/>
             </a:pPr>
             <a:r>
+              <a:rPr lang="es-AR" sz="3600" dirty="0"/>
+              <a:t>Data </a:t>
+            </a:r>
+            <a:r>
               <a:rPr lang="es-AR" sz="3600" dirty="0" err="1"/>
-              <a:t>Additional</a:t>
+              <a:t>Model</a:t>
             </a:r>
             <a:r>
               <a:rPr lang="es-AR" sz="3600" dirty="0"/>
@@ -33234,15 +33346,7 @@
             </a:r>
             <a:r>
               <a:rPr lang="es-AR" sz="3600" dirty="0" err="1"/>
-              <a:t>Analysis</a:t>
-            </a:r>
-            <a:r>
-              <a:rPr lang="es-AR" sz="3600" dirty="0"/>
-              <a:t> - </a:t>
-            </a:r>
-            <a:r>
-              <a:rPr lang="es-AR" sz="3600" dirty="0" err="1"/>
-              <a:t>Retention</a:t>
+              <a:t>Improvement</a:t>
             </a:r>
             <a:endParaRPr lang="en-US" dirty="0"/>
           </a:p>
@@ -33250,10 +33354,10 @@
       </p:sp>
       <p:sp>
         <p:nvSpPr>
-          <p:cNvPr id="5" name="TextBox 4">
+          <p:cNvPr id="7" name="TextBox 6">
             <a:extLst>
               <a:ext uri="{FF2B5EF4-FFF2-40B4-BE49-F238E27FC236}">
-                <a16:creationId xmlns:a16="http://schemas.microsoft.com/office/drawing/2014/main" id="{790120BB-221D-E20B-42B5-E1427D5FEE53}"/>
+                <a16:creationId xmlns:a16="http://schemas.microsoft.com/office/drawing/2014/main" id="{27ABEBDD-666A-E890-74EC-D71B82BACC14}"/>
               </a:ext>
             </a:extLst>
           </p:cNvPr>
@@ -33262,8 +33366,261 @@
         </p:nvSpPr>
         <p:spPr>
           <a:xfrm>
-            <a:off x="5259520" y="1376595"/>
-            <a:ext cx="3355092" cy="3362459"/>
+            <a:off x="776897" y="1299411"/>
+            <a:ext cx="7647103" cy="2031325"/>
+          </a:xfrm>
+          <a:prstGeom prst="rect">
+            <a:avLst/>
+          </a:prstGeom>
+          <a:noFill/>
+        </p:spPr>
+        <p:txBody>
+          <a:bodyPr wrap="square" rtlCol="0">
+            <a:spAutoFit/>
+          </a:bodyPr>
+          <a:lstStyle/>
+          <a:p>
+            <a:pPr marL="0" marR="0" lvl="0" indent="0" algn="l" defTabSz="914400" rtl="0" eaLnBrk="0" fontAlgn="base" latinLnBrk="0" hangingPunct="0">
+              <a:lnSpc>
+                <a:spcPct val="100000"/>
+              </a:lnSpc>
+              <a:spcBef>
+                <a:spcPct val="0"/>
+              </a:spcBef>
+              <a:spcAft>
+                <a:spcPct val="0"/>
+              </a:spcAft>
+              <a:buClrTx/>
+              <a:buSzTx/>
+              <a:buFontTx/>
+              <a:buChar char="•"/>
+              <a:tabLst/>
+            </a:pPr>
+            <a:r>
+              <a:rPr kumimoji="0" lang="en-US" altLang="en-US" sz="1400" b="1" i="0" u="none" strike="noStrike" cap="none" normalizeH="0" baseline="0" dirty="0">
+                <a:ln>
+                  <a:noFill/>
+                </a:ln>
+                <a:solidFill>
+                  <a:schemeClr val="tx1"/>
+                </a:solidFill>
+                <a:effectLst/>
+                <a:latin typeface="Arial" panose="020B0604020202020204" pitchFamily="34" charset="0"/>
+              </a:rPr>
+              <a:t>Total Station Capacity Field:</a:t>
+            </a:r>
+            <a:r>
+              <a:rPr kumimoji="0" lang="en-US" altLang="en-US" sz="1400" b="0" i="0" u="none" strike="noStrike" cap="none" normalizeH="0" baseline="0" dirty="0">
+                <a:ln>
+                  <a:noFill/>
+                </a:ln>
+                <a:solidFill>
+                  <a:schemeClr val="tx1"/>
+                </a:solidFill>
+                <a:effectLst/>
+                <a:latin typeface="Arial" panose="020B0604020202020204" pitchFamily="34" charset="0"/>
+              </a:rPr>
+              <a:t> Introduce a field to record each station's total capacity (number of docks), enabling accurate assessment of station performance by comparing current availability against maximum capacity to identify over- or under-utilized locations. </a:t>
+            </a:r>
+          </a:p>
+          <a:p>
+            <a:pPr marL="0" marR="0" lvl="0" indent="0" algn="l" defTabSz="914400" rtl="0" eaLnBrk="0" fontAlgn="base" latinLnBrk="0" hangingPunct="0">
+              <a:lnSpc>
+                <a:spcPct val="100000"/>
+              </a:lnSpc>
+              <a:spcBef>
+                <a:spcPct val="0"/>
+              </a:spcBef>
+              <a:spcAft>
+                <a:spcPct val="0"/>
+              </a:spcAft>
+              <a:buClrTx/>
+              <a:buSzTx/>
+              <a:buFontTx/>
+              <a:buChar char="•"/>
+              <a:tabLst/>
+            </a:pPr>
+            <a:r>
+              <a:rPr kumimoji="0" lang="en-US" altLang="en-US" sz="1400" b="1" i="0" u="none" strike="noStrike" cap="none" normalizeH="0" baseline="0" dirty="0">
+                <a:ln>
+                  <a:noFill/>
+                </a:ln>
+                <a:solidFill>
+                  <a:schemeClr val="tx1"/>
+                </a:solidFill>
+                <a:effectLst/>
+                <a:latin typeface="Arial" panose="020B0604020202020204" pitchFamily="34" charset="0"/>
+              </a:rPr>
+              <a:t>Tracking Redistribution Movements:</a:t>
+            </a:r>
+            <a:r>
+              <a:rPr kumimoji="0" lang="en-US" altLang="en-US" sz="1400" b="0" i="0" u="none" strike="noStrike" cap="none" normalizeH="0" baseline="0" dirty="0">
+                <a:ln>
+                  <a:noFill/>
+                </a:ln>
+                <a:solidFill>
+                  <a:schemeClr val="tx1"/>
+                </a:solidFill>
+                <a:effectLst/>
+                <a:latin typeface="Arial" panose="020B0604020202020204" pitchFamily="34" charset="0"/>
+              </a:rPr>
+              <a:t> Implement detailed logging of bike redistribution events, including timestamps, origin and destination stations, quantity of bikes moved, and contextual details, to support data-driven rebalancing strategies. </a:t>
+            </a:r>
+          </a:p>
+          <a:p>
+            <a:pPr marL="0" marR="0" lvl="0" indent="0" algn="l" defTabSz="914400" rtl="0" eaLnBrk="0" fontAlgn="base" latinLnBrk="0" hangingPunct="0">
+              <a:lnSpc>
+                <a:spcPct val="100000"/>
+              </a:lnSpc>
+              <a:spcBef>
+                <a:spcPct val="0"/>
+              </a:spcBef>
+              <a:spcAft>
+                <a:spcPct val="0"/>
+              </a:spcAft>
+              <a:buClrTx/>
+              <a:buSzTx/>
+              <a:buFontTx/>
+              <a:buChar char="•"/>
+              <a:tabLst/>
+            </a:pPr>
+            <a:r>
+              <a:rPr kumimoji="0" lang="en-US" altLang="en-US" sz="1400" b="1" i="0" u="none" strike="noStrike" cap="none" normalizeH="0" baseline="0" dirty="0">
+                <a:ln>
+                  <a:noFill/>
+                </a:ln>
+                <a:solidFill>
+                  <a:schemeClr val="tx1"/>
+                </a:solidFill>
+                <a:effectLst/>
+                <a:latin typeface="Arial" panose="020B0604020202020204" pitchFamily="34" charset="0"/>
+              </a:rPr>
+              <a:t>Detailed Individual Bike Information:</a:t>
+            </a:r>
+            <a:r>
+              <a:rPr kumimoji="0" lang="en-US" altLang="en-US" sz="1400" b="0" i="0" u="none" strike="noStrike" cap="none" normalizeH="0" baseline="0" dirty="0">
+                <a:ln>
+                  <a:noFill/>
+                </a:ln>
+                <a:solidFill>
+                  <a:schemeClr val="tx1"/>
+                </a:solidFill>
+                <a:effectLst/>
+                <a:latin typeface="Arial" panose="020B0604020202020204" pitchFamily="34" charset="0"/>
+              </a:rPr>
+              <a:t> Collect granular data for each bike (unique identifier, model, maintenance history, usage frequency, and mileage) to facilitate proactive maintenance and optimize fleet management. </a:t>
+            </a:r>
+          </a:p>
+        </p:txBody>
+      </p:sp>
+    </p:spTree>
+    <p:extLst>
+      <p:ext uri="{BB962C8B-B14F-4D97-AF65-F5344CB8AC3E}">
+        <p14:creationId xmlns:p14="http://schemas.microsoft.com/office/powerpoint/2010/main" val="2124701191"/>
+      </p:ext>
+    </p:extLst>
+  </p:cSld>
+  <p:clrMapOvr>
+    <a:masterClrMapping/>
+  </p:clrMapOvr>
+</p:sld>
+</file>
+
+<file path=ppt/slides/slide24.xml><?xml version="1.0" encoding="utf-8"?>
+<p:sld xmlns:a="http://schemas.openxmlformats.org/drawingml/2006/main" xmlns:r="http://schemas.openxmlformats.org/officeDocument/2006/relationships" xmlns:p="http://schemas.openxmlformats.org/presentationml/2006/main">
+  <p:cSld>
+    <p:spTree>
+      <p:nvGrpSpPr>
+        <p:cNvPr id="1" name="Shape 292">
+          <a:extLst>
+            <a:ext uri="{FF2B5EF4-FFF2-40B4-BE49-F238E27FC236}">
+              <a16:creationId xmlns:a16="http://schemas.microsoft.com/office/drawing/2014/main" id="{96C827CB-556F-248F-5F14-F6BAC555EE48}"/>
+            </a:ext>
+          </a:extLst>
+        </p:cNvPr>
+        <p:cNvGrpSpPr/>
+        <p:nvPr/>
+      </p:nvGrpSpPr>
+      <p:grpSpPr>
+        <a:xfrm>
+          <a:off x="0" y="0"/>
+          <a:ext cx="0" cy="0"/>
+          <a:chOff x="0" y="0"/>
+          <a:chExt cx="0" cy="0"/>
+        </a:xfrm>
+      </p:grpSpPr>
+      <p:sp>
+        <p:nvSpPr>
+          <p:cNvPr id="294" name="Google Shape;294;p30">
+            <a:extLst>
+              <a:ext uri="{FF2B5EF4-FFF2-40B4-BE49-F238E27FC236}">
+                <a16:creationId xmlns:a16="http://schemas.microsoft.com/office/drawing/2014/main" id="{D5EB26B4-C4C8-398A-78FE-CAB4987B9258}"/>
+              </a:ext>
+            </a:extLst>
+          </p:cNvPr>
+          <p:cNvSpPr txBox="1">
+            <a:spLocks noGrp="1"/>
+          </p:cNvSpPr>
+          <p:nvPr>
+            <p:ph type="title"/>
+          </p:nvPr>
+        </p:nvSpPr>
+        <p:spPr>
+          <a:xfrm>
+            <a:off x="720000" y="445025"/>
+            <a:ext cx="7704000" cy="572700"/>
+          </a:xfrm>
+          <a:prstGeom prst="rect">
+            <a:avLst/>
+          </a:prstGeom>
+        </p:spPr>
+        <p:txBody>
+          <a:bodyPr spcFirstLastPara="1" wrap="square" lIns="91425" tIns="91425" rIns="91425" bIns="91425" anchor="t" anchorCtr="0">
+            <a:noAutofit/>
+          </a:bodyPr>
+          <a:lstStyle/>
+          <a:p>
+            <a:pPr marL="0" lvl="0" indent="0" algn="l" rtl="0">
+              <a:spcBef>
+                <a:spcPts val="0"/>
+              </a:spcBef>
+              <a:spcAft>
+                <a:spcPts val="0"/>
+              </a:spcAft>
+              <a:buNone/>
+            </a:pPr>
+            <a:r>
+              <a:rPr lang="es-AR" sz="3600" dirty="0" err="1"/>
+              <a:t>KPIs</a:t>
+            </a:r>
+            <a:r>
+              <a:rPr lang="es-AR" sz="3600" dirty="0"/>
+              <a:t> </a:t>
+            </a:r>
+            <a:r>
+              <a:rPr lang="es-AR" sz="3600" dirty="0" err="1"/>
+              <a:t>Suggestion</a:t>
+            </a:r>
+            <a:endParaRPr lang="en-US" dirty="0"/>
+          </a:p>
+        </p:txBody>
+      </p:sp>
+      <p:sp>
+        <p:nvSpPr>
+          <p:cNvPr id="2" name="TextBox 1">
+            <a:extLst>
+              <a:ext uri="{FF2B5EF4-FFF2-40B4-BE49-F238E27FC236}">
+                <a16:creationId xmlns:a16="http://schemas.microsoft.com/office/drawing/2014/main" id="{83F42AE6-0942-9CC4-D912-CB6045A80B35}"/>
+              </a:ext>
+            </a:extLst>
+          </p:cNvPr>
+          <p:cNvSpPr txBox="1"/>
+          <p:nvPr/>
+        </p:nvSpPr>
+        <p:spPr>
+          <a:xfrm>
+            <a:off x="838774" y="1225101"/>
+            <a:ext cx="7961468" cy="2015936"/>
           </a:xfrm>
           <a:prstGeom prst="rect">
             <a:avLst/>
@@ -33287,49 +33644,31 @@
                   <a:srgbClr val="1F2939"/>
                 </a:solidFill>
                 <a:effectLst/>
-                <a:latin typeface="Open Sans" panose="020B0606030504020204" pitchFamily="34" charset="0"/>
-                <a:ea typeface="Open Sans" panose="020B0606030504020204" pitchFamily="34" charset="0"/>
-                <a:cs typeface="Open Sans" panose="020B0606030504020204" pitchFamily="34" charset="0"/>
+                <a:latin typeface="JetBrains Mono"/>
               </a:rPr>
-              <a:t>The retention matrix indicates that in the registration month (Month 0), only about 60–66% of users are active by making at least one trip. This suggests that a significant portion, roughly one-third, of new users do not engage with the service immediately upon registration, highlighting a potential area for improvement in the initial onboarding and activation process. Moreover, user activity declines significantly in the months following registration, which strongly suggests the need to implement retention campaigns aimed at keeping these users engaged after their initial activation.</a:t>
+              <a:t>To help achieve an 18% increase, several KPIs can be tracked to provide a comprehensive view of user engagement and retention. For example, monitoring monthly and cohort retention rates will reveal the percentage of users who remain active over time, while tracking churn rate will help identify the rate at which users drop off.  Other important KPIs include daily and weekly active users, which reflect overall engagement, and session metrics like frequency and duration that indicate how often and how deeply users interact with the service. Lastly, financial metrics such as customer lifetime value and average revenue per user ensure that improvements in retention are translating into tangible business value. These KPIs together can inform targeted strategies to boost user engagement and retention, thereby supporting the 18% increase goal.</a:t>
             </a:r>
+          </a:p>
+          <a:p>
+            <a:pPr>
+              <a:lnSpc>
+                <a:spcPts val="1500"/>
+              </a:lnSpc>
+            </a:pPr>
+            <a:endParaRPr lang="en-US" b="0" dirty="0">
+              <a:solidFill>
+                <a:srgbClr val="1F2939"/>
+              </a:solidFill>
+              <a:effectLst/>
+              <a:latin typeface="JetBrains Mono"/>
+            </a:endParaRPr>
           </a:p>
         </p:txBody>
       </p:sp>
-      <p:pic>
-        <p:nvPicPr>
-          <p:cNvPr id="4" name="Picture 3">
-            <a:extLst>
-              <a:ext uri="{FF2B5EF4-FFF2-40B4-BE49-F238E27FC236}">
-                <a16:creationId xmlns:a16="http://schemas.microsoft.com/office/drawing/2014/main" id="{1A57C6D1-BEB0-5230-ABE0-294B363C989A}"/>
-              </a:ext>
-            </a:extLst>
-          </p:cNvPr>
-          <p:cNvPicPr>
-            <a:picLocks noChangeAspect="1"/>
-          </p:cNvPicPr>
-          <p:nvPr/>
-        </p:nvPicPr>
-        <p:blipFill>
-          <a:blip r:embed="rId3"/>
-          <a:stretch>
-            <a:fillRect/>
-          </a:stretch>
-        </p:blipFill>
-        <p:spPr>
-          <a:xfrm>
-            <a:off x="720000" y="1474788"/>
-            <a:ext cx="4294745" cy="2760328"/>
-          </a:xfrm>
-          <a:prstGeom prst="rect">
-            <a:avLst/>
-          </a:prstGeom>
-        </p:spPr>
-      </p:pic>
     </p:spTree>
     <p:extLst>
       <p:ext uri="{BB962C8B-B14F-4D97-AF65-F5344CB8AC3E}">
-        <p14:creationId xmlns:p14="http://schemas.microsoft.com/office/powerpoint/2010/main" val="2124701191"/>
+        <p14:creationId xmlns:p14="http://schemas.microsoft.com/office/powerpoint/2010/main" val="4183914107"/>
       </p:ext>
     </p:extLst>
   </p:cSld>
@@ -33339,7 +33678,7 @@
 </p:sld>
 </file>
 
-<file path=ppt/slides/slide24.xml><?xml version="1.0" encoding="utf-8"?>
+<file path=ppt/slides/slide25.xml><?xml version="1.0" encoding="utf-8"?>
 <p:sld xmlns:a="http://schemas.openxmlformats.org/drawingml/2006/main" xmlns:r="http://schemas.openxmlformats.org/officeDocument/2006/relationships" xmlns:p="http://schemas.openxmlformats.org/presentationml/2006/main">
   <p:cSld>
     <p:spTree>
@@ -35180,7 +35519,7 @@
 </p:sld>
 </file>
 
-<file path=ppt/slides/slide25.xml><?xml version="1.0" encoding="utf-8"?>
+<file path=ppt/slides/slide26.xml><?xml version="1.0" encoding="utf-8"?>
 <p:sld xmlns:a="http://schemas.openxmlformats.org/drawingml/2006/main" xmlns:r="http://schemas.openxmlformats.org/officeDocument/2006/relationships" xmlns:p="http://schemas.openxmlformats.org/presentationml/2006/main">
   <p:cSld>
     <p:spTree>
@@ -35528,7 +35867,7 @@
 </p:sld>
 </file>
 
-<file path=ppt/slides/slide26.xml><?xml version="1.0" encoding="utf-8"?>
+<file path=ppt/slides/slide27.xml><?xml version="1.0" encoding="utf-8"?>
 <p:sld xmlns:a="http://schemas.openxmlformats.org/drawingml/2006/main" xmlns:r="http://schemas.openxmlformats.org/officeDocument/2006/relationships" xmlns:p="http://schemas.openxmlformats.org/presentationml/2006/main">
   <p:cSld>
     <p:spTree>
@@ -35892,7 +36231,7 @@
 </p:sld>
 </file>
 
-<file path=ppt/slides/slide27.xml><?xml version="1.0" encoding="utf-8"?>
+<file path=ppt/slides/slide28.xml><?xml version="1.0" encoding="utf-8"?>
 <p:sld xmlns:a="http://schemas.openxmlformats.org/drawingml/2006/main" xmlns:r="http://schemas.openxmlformats.org/officeDocument/2006/relationships" xmlns:p="http://schemas.openxmlformats.org/presentationml/2006/main">
   <p:cSld>
     <p:spTree>
